--- a/source/data/pdf/前端小课2018.pptx
+++ b/source/data/pdf/前端小课2018.pptx
@@ -231,7 +231,7 @@
                 <a:latin typeface="宋体" panose="02010600030101010101" pitchFamily="2" charset="-122"/>
                 <a:ea typeface="宋体" panose="02010600030101010101" pitchFamily="2" charset="-122"/>
               </a:rPr>
-              <a:t>2018年7月21日</a:t>
+              <a:t>2019年11月6日</a:t>
             </a:fld>
             <a:endParaRPr lang="en-US" dirty="0">
               <a:latin typeface="宋体" panose="02010600030101010101" pitchFamily="2" charset="-122"/>
@@ -417,7 +417,7 @@
             <a:fld id="{36B06A42-8632-46DA-871C-920E73DBC89C}" type="datetime2">
               <a:rPr lang="zh-CN" altLang="en-US" smtClean="0"/>
               <a:pPr/>
-              <a:t>2018年7月21日</a:t>
+              <a:t>2019年11月6日</a:t>
             </a:fld>
             <a:endParaRPr lang="en-US" dirty="0"/>
           </a:p>
@@ -2601,7 +2601,6 @@
           <a:ln>
             <a:noFill/>
           </a:ln>
-          <a:extLst/>
         </p:spPr>
         <p:txBody>
           <a:bodyPr vert="horz" wrap="square" lIns="91440" tIns="45720" rIns="91440" bIns="45720" numCol="1" rtlCol="0" anchor="t" anchorCtr="0" compatLnSpc="1">
@@ -3131,7 +3130,7 @@
             <a:fld id="{C0BD49C6-085C-48C6-BDC8-FDB527D40F9E}" type="datetime2">
               <a:rPr lang="zh-CN" altLang="en-US" smtClean="0"/>
               <a:pPr/>
-              <a:t>2018年7月21日</a:t>
+              <a:t>2019年11月6日</a:t>
             </a:fld>
             <a:endParaRPr lang="zh-CN" altLang="en-US" dirty="0"/>
           </a:p>
@@ -3783,7 +3782,7 @@
             <a:fld id="{137AE0F4-9E6F-4BAE-B390-55A905AE34B1}" type="datetime2">
               <a:rPr lang="zh-CN" altLang="en-US" smtClean="0"/>
               <a:pPr/>
-              <a:t>2018年7月21日</a:t>
+              <a:t>2019年11月6日</a:t>
             </a:fld>
             <a:endParaRPr lang="zh-CN" altLang="en-US" dirty="0"/>
           </a:p>
@@ -3983,7 +3982,7 @@
             <a:fld id="{5F88F55A-D24F-485B-AD77-3617D67C0120}" type="datetime2">
               <a:rPr lang="zh-CN" altLang="en-US" smtClean="0"/>
               <a:pPr/>
-              <a:t>2018年7月21日</a:t>
+              <a:t>2019年11月6日</a:t>
             </a:fld>
             <a:endParaRPr lang="zh-CN" altLang="en-US" dirty="0"/>
           </a:p>
@@ -4382,7 +4381,7 @@
             <a:fld id="{9B9037A2-76C3-40CF-A8CD-C237DED79966}" type="datetime2">
               <a:rPr lang="zh-CN" altLang="en-US" smtClean="0"/>
               <a:pPr/>
-              <a:t>2018年7月21日</a:t>
+              <a:t>2019年11月6日</a:t>
             </a:fld>
             <a:endParaRPr lang="zh-CN" altLang="en-US" dirty="0"/>
           </a:p>
@@ -4585,7 +4584,7 @@
             <a:fld id="{32E298A1-6886-4CEE-A0AD-80843E7BD45B}" type="datetime2">
               <a:rPr lang="zh-CN" altLang="en-US" smtClean="0"/>
               <a:pPr/>
-              <a:t>2018年7月21日</a:t>
+              <a:t>2019年11月6日</a:t>
             </a:fld>
             <a:endParaRPr lang="zh-CN" altLang="en-US" dirty="0"/>
           </a:p>
@@ -4715,7 +4714,6 @@
           <a:ln>
             <a:noFill/>
           </a:ln>
-          <a:extLst/>
         </p:spPr>
         <p:txBody>
           <a:bodyPr vert="horz" wrap="square" lIns="91440" tIns="45720" rIns="91440" bIns="45720" numCol="1" rtlCol="0" anchor="t" anchorCtr="0" compatLnSpc="1">
@@ -5177,7 +5175,6 @@
           <a:ln>
             <a:noFill/>
           </a:ln>
-          <a:extLst/>
         </p:spPr>
         <p:txBody>
           <a:bodyPr vert="horz" wrap="square" lIns="91440" tIns="45720" rIns="91440" bIns="45720" numCol="1" rtlCol="0" anchor="t" anchorCtr="0" compatLnSpc="1">
@@ -5880,7 +5877,7 @@
             <a:fld id="{056ECBAD-6643-43B6-9FBB-2FB32370A17F}" type="datetime2">
               <a:rPr lang="zh-CN" altLang="en-US" smtClean="0"/>
               <a:pPr/>
-              <a:t>2018年7月21日</a:t>
+              <a:t>2019年11月6日</a:t>
             </a:fld>
             <a:endParaRPr lang="zh-CN" altLang="en-US" dirty="0"/>
           </a:p>
@@ -6365,7 +6362,7 @@
             <a:fld id="{CE218DDE-3F68-4317-9227-05CC38EA45ED}" type="datetime2">
               <a:rPr lang="zh-CN" altLang="en-US" smtClean="0"/>
               <a:pPr/>
-              <a:t>2018年7月21日</a:t>
+              <a:t>2019年11月6日</a:t>
             </a:fld>
             <a:endParaRPr lang="en-US" dirty="0"/>
           </a:p>
@@ -6513,7 +6510,7 @@
             <a:fld id="{A00AC024-E567-47B3-A2FD-B0707141E13A}" type="datetime2">
               <a:rPr lang="zh-CN" altLang="en-US" smtClean="0"/>
               <a:pPr/>
-              <a:t>2018年7月21日</a:t>
+              <a:t>2019年11月6日</a:t>
             </a:fld>
             <a:endParaRPr lang="zh-CN" altLang="en-US" dirty="0"/>
           </a:p>
@@ -6630,7 +6627,7 @@
             <a:fld id="{AD40A0A2-D0FF-46AB-90A9-F1267FDBC26D}" type="datetime2">
               <a:rPr lang="zh-CN" altLang="en-US" smtClean="0"/>
               <a:pPr/>
-              <a:t>2018年7月21日</a:t>
+              <a:t>2019年11月6日</a:t>
             </a:fld>
             <a:endParaRPr lang="zh-CN" altLang="en-US" dirty="0"/>
           </a:p>
@@ -6932,7 +6929,7 @@
             <a:fld id="{B632B152-B0CA-4297-BC08-8285F097B2EE}" type="datetime2">
               <a:rPr lang="zh-CN" altLang="en-US" smtClean="0"/>
               <a:pPr/>
-              <a:t>2018年7月21日</a:t>
+              <a:t>2019年11月6日</a:t>
             </a:fld>
             <a:endParaRPr lang="zh-CN" altLang="en-US" dirty="0"/>
           </a:p>
@@ -7328,7 +7325,7 @@
             <a:fld id="{EBF09630-6CC4-482C-AA15-2C8589E8650A}" type="datetime2">
               <a:rPr lang="zh-CN" altLang="en-US" smtClean="0"/>
               <a:pPr/>
-              <a:t>2018年7月21日</a:t>
+              <a:t>2019年11月6日</a:t>
             </a:fld>
             <a:endParaRPr lang="en-US" dirty="0"/>
           </a:p>
@@ -7691,7 +7688,7 @@
       </a:lvl9pPr>
     </p:otherStyle>
   </p:txStyles>
-  <p:extLst mod="1">
+  <p:extLst>
     <p:ext uri="{27BBF7A9-308A-43DC-89C8-2F10F3537804}">
       <p15:sldGuideLst xmlns:p15="http://schemas.microsoft.com/office/powerpoint/2012/main">
         <p15:guide id="1" orient="horz" pos="2160" userDrawn="1">
@@ -11711,12 +11708,215 @@
           </a:p>
         </p:txBody>
       </p:sp>
+      <p:sp>
+        <p:nvSpPr>
+          <p:cNvPr id="9" name="文本框 8">
+            <a:extLst>
+              <a:ext uri="{FF2B5EF4-FFF2-40B4-BE49-F238E27FC236}">
+                <a16:creationId xmlns:a16="http://schemas.microsoft.com/office/drawing/2014/main" id="{B542709C-F34E-4756-9B69-3121AE93EDD2}"/>
+              </a:ext>
+            </a:extLst>
+          </p:cNvPr>
+          <p:cNvSpPr txBox="1"/>
+          <p:nvPr/>
+        </p:nvSpPr>
+        <p:spPr>
+          <a:xfrm>
+            <a:off x="6895750" y="2633995"/>
+            <a:ext cx="2382474" cy="3139321"/>
+          </a:xfrm>
+          <a:prstGeom prst="rect">
+            <a:avLst/>
+          </a:prstGeom>
+          <a:noFill/>
+        </p:spPr>
+        <p:txBody>
+          <a:bodyPr wrap="square" rtlCol="0">
+            <a:spAutoFit/>
+          </a:bodyPr>
+          <a:lstStyle/>
+          <a:p>
+            <a:r>
+              <a:rPr lang="en-US" altLang="zh-CN" dirty="0"/>
+              <a:t>&lt;== </a:t>
+            </a:r>
+            <a:r>
+              <a:rPr lang="zh-CN" altLang="en-US" dirty="0"/>
+              <a:t>未设置</a:t>
+            </a:r>
+            <a:r>
+              <a:rPr lang="en-US" altLang="zh-CN" dirty="0"/>
+              <a:t>viewport</a:t>
+            </a:r>
+          </a:p>
+          <a:p>
+            <a:endParaRPr lang="en-US" altLang="zh-CN" dirty="0"/>
+          </a:p>
+          <a:p>
+            <a:endParaRPr lang="en-US" altLang="zh-CN" dirty="0"/>
+          </a:p>
+          <a:p>
+            <a:endParaRPr lang="en-US" altLang="zh-CN" dirty="0"/>
+          </a:p>
+          <a:p>
+            <a:endParaRPr lang="en-US" altLang="zh-CN" dirty="0"/>
+          </a:p>
+          <a:p>
+            <a:endParaRPr lang="en-US" altLang="zh-CN" dirty="0"/>
+          </a:p>
+          <a:p>
+            <a:endParaRPr lang="en-US" altLang="zh-CN" dirty="0"/>
+          </a:p>
+          <a:p>
+            <a:endParaRPr lang="en-US" altLang="zh-CN" dirty="0"/>
+          </a:p>
+          <a:p>
+            <a:endParaRPr lang="en-US" altLang="zh-CN" dirty="0"/>
+          </a:p>
+          <a:p>
+            <a:endParaRPr lang="en-US" altLang="zh-CN" dirty="0"/>
+          </a:p>
+          <a:p>
+            <a:r>
+              <a:rPr lang="zh-CN" altLang="en-US" dirty="0"/>
+              <a:t>设置过</a:t>
+            </a:r>
+            <a:r>
+              <a:rPr lang="en-US" altLang="zh-CN" dirty="0"/>
+              <a:t>viewport ==&gt;</a:t>
+            </a:r>
+            <a:endParaRPr lang="zh-CN" altLang="en-US" dirty="0"/>
+          </a:p>
+        </p:txBody>
+      </p:sp>
+      <p:sp>
+        <p:nvSpPr>
+          <p:cNvPr id="3" name="文本框 2">
+            <a:extLst>
+              <a:ext uri="{FF2B5EF4-FFF2-40B4-BE49-F238E27FC236}">
+                <a16:creationId xmlns:a16="http://schemas.microsoft.com/office/drawing/2014/main" id="{0B771B53-5A19-480F-9269-5A081F4D958D}"/>
+              </a:ext>
+            </a:extLst>
+          </p:cNvPr>
+          <p:cNvSpPr txBox="1"/>
+          <p:nvPr/>
+        </p:nvSpPr>
+        <p:spPr>
+          <a:xfrm>
+            <a:off x="470248" y="1895331"/>
+            <a:ext cx="2577950" cy="2862322"/>
+          </a:xfrm>
+          <a:prstGeom prst="rect">
+            <a:avLst/>
+          </a:prstGeom>
+          <a:noFill/>
+        </p:spPr>
+        <p:txBody>
+          <a:bodyPr wrap="none" rtlCol="0">
+            <a:spAutoFit/>
+          </a:bodyPr>
+          <a:lstStyle/>
+          <a:p>
+            <a:pPr marL="285750" indent="-285750">
+              <a:buFont typeface="Arial" panose="020B0604020202020204" pitchFamily="34" charset="0"/>
+              <a:buChar char="•"/>
+            </a:pPr>
+            <a:r>
+              <a:rPr lang="en-US" altLang="zh-CN" dirty="0" err="1"/>
+              <a:t>css</a:t>
+            </a:r>
+            <a:r>
+              <a:rPr lang="en-US" altLang="zh-CN" dirty="0"/>
+              <a:t> 1px != </a:t>
+            </a:r>
+            <a:r>
+              <a:rPr lang="zh-CN" altLang="en-US" dirty="0"/>
+              <a:t>屏幕 </a:t>
+            </a:r>
+            <a:r>
+              <a:rPr lang="en-US" altLang="zh-CN" dirty="0"/>
+              <a:t>1px</a:t>
+            </a:r>
+          </a:p>
+          <a:p>
+            <a:pPr marL="285750" indent="-285750">
+              <a:buFont typeface="Arial" panose="020B0604020202020204" pitchFamily="34" charset="0"/>
+              <a:buChar char="•"/>
+            </a:pPr>
+            <a:endParaRPr lang="en-US" altLang="zh-CN" dirty="0"/>
+          </a:p>
+          <a:p>
+            <a:pPr marL="285750" indent="-285750">
+              <a:buFont typeface="Arial" panose="020B0604020202020204" pitchFamily="34" charset="0"/>
+              <a:buChar char="•"/>
+            </a:pPr>
+            <a:r>
+              <a:rPr lang="en-US" altLang="zh-CN" dirty="0"/>
+              <a:t>viewport</a:t>
+            </a:r>
+          </a:p>
+          <a:p>
+            <a:pPr marL="285750" indent="-285750">
+              <a:buFont typeface="Arial" panose="020B0604020202020204" pitchFamily="34" charset="0"/>
+              <a:buChar char="•"/>
+            </a:pPr>
+            <a:endParaRPr lang="en-US" altLang="zh-CN" dirty="0"/>
+          </a:p>
+          <a:p>
+            <a:pPr marL="742950" lvl="1" indent="-285750">
+              <a:buFont typeface="Arial" panose="020B0604020202020204" pitchFamily="34" charset="0"/>
+              <a:buChar char="•"/>
+            </a:pPr>
+            <a:r>
+              <a:rPr lang="en-US" altLang="zh-CN" dirty="0"/>
+              <a:t>layout viewport</a:t>
+            </a:r>
+          </a:p>
+          <a:p>
+            <a:pPr marL="742950" lvl="1" indent="-285750">
+              <a:buFont typeface="Arial" panose="020B0604020202020204" pitchFamily="34" charset="0"/>
+              <a:buChar char="•"/>
+            </a:pPr>
+            <a:endParaRPr lang="en-US" altLang="zh-CN" dirty="0"/>
+          </a:p>
+          <a:p>
+            <a:pPr marL="742950" lvl="1" indent="-285750">
+              <a:buFont typeface="Arial" panose="020B0604020202020204" pitchFamily="34" charset="0"/>
+              <a:buChar char="•"/>
+            </a:pPr>
+            <a:r>
+              <a:rPr lang="en-US" altLang="zh-CN" dirty="0"/>
+              <a:t>visual viewport</a:t>
+            </a:r>
+          </a:p>
+          <a:p>
+            <a:pPr marL="742950" lvl="1" indent="-285750">
+              <a:buFont typeface="Arial" panose="020B0604020202020204" pitchFamily="34" charset="0"/>
+              <a:buChar char="•"/>
+            </a:pPr>
+            <a:endParaRPr lang="en-US" altLang="zh-CN" dirty="0"/>
+          </a:p>
+          <a:p>
+            <a:pPr marL="742950" lvl="1" indent="-285750">
+              <a:buFont typeface="Arial" panose="020B0604020202020204" pitchFamily="34" charset="0"/>
+              <a:buChar char="•"/>
+            </a:pPr>
+            <a:r>
+              <a:rPr lang="en-US" altLang="zh-CN" dirty="0"/>
+              <a:t>ideal viewport</a:t>
+            </a:r>
+          </a:p>
+          <a:p>
+            <a:endParaRPr lang="zh-CN" altLang="en-US" dirty="0"/>
+          </a:p>
+        </p:txBody>
+      </p:sp>
       <p:pic>
         <p:nvPicPr>
-          <p:cNvPr id="5" name="图片 4">
+          <p:cNvPr id="7" name="图片 6">
             <a:extLst>
               <a:ext uri="{FF2B5EF4-FFF2-40B4-BE49-F238E27FC236}">
-                <a16:creationId xmlns:a16="http://schemas.microsoft.com/office/drawing/2014/main" id="{1843AF14-AFB5-4348-A4F3-890E1D8D14E0}"/>
+                <a16:creationId xmlns:a16="http://schemas.microsoft.com/office/drawing/2014/main" id="{A561AAFE-5577-4199-A0B6-D847BE9AC626}"/>
               </a:ext>
             </a:extLst>
           </p:cNvPr>
@@ -11733,8 +11933,8 @@
         </p:blipFill>
         <p:spPr>
           <a:xfrm>
-            <a:off x="3951214" y="1526978"/>
-            <a:ext cx="3350325" cy="5331022"/>
+            <a:off x="3629584" y="1572286"/>
+            <a:ext cx="3333333" cy="5285714"/>
           </a:xfrm>
           <a:prstGeom prst="rect">
             <a:avLst/>
@@ -11743,10 +11943,10 @@
       </p:pic>
       <p:pic>
         <p:nvPicPr>
-          <p:cNvPr id="8" name="图片 7">
+          <p:cNvPr id="12" name="图片 11">
             <a:extLst>
               <a:ext uri="{FF2B5EF4-FFF2-40B4-BE49-F238E27FC236}">
-                <a16:creationId xmlns:a16="http://schemas.microsoft.com/office/drawing/2014/main" id="{97E1B6CB-3731-40EF-AC3E-568BEDA8DFE0}"/>
+                <a16:creationId xmlns:a16="http://schemas.microsoft.com/office/drawing/2014/main" id="{4E8F7E76-89AD-4ED5-99C9-61C3DBB00DAB}"/>
               </a:ext>
             </a:extLst>
           </p:cNvPr>
@@ -11763,217 +11963,14 @@
         </p:blipFill>
         <p:spPr>
           <a:xfrm>
-            <a:off x="9107571" y="1549313"/>
-            <a:ext cx="2931134" cy="5308687"/>
+            <a:off x="9157628" y="1572286"/>
+            <a:ext cx="2895238" cy="5247619"/>
           </a:xfrm>
           <a:prstGeom prst="rect">
             <a:avLst/>
           </a:prstGeom>
         </p:spPr>
       </p:pic>
-      <p:sp>
-        <p:nvSpPr>
-          <p:cNvPr id="9" name="文本框 8">
-            <a:extLst>
-              <a:ext uri="{FF2B5EF4-FFF2-40B4-BE49-F238E27FC236}">
-                <a16:creationId xmlns:a16="http://schemas.microsoft.com/office/drawing/2014/main" id="{B542709C-F34E-4756-9B69-3121AE93EDD2}"/>
-              </a:ext>
-            </a:extLst>
-          </p:cNvPr>
-          <p:cNvSpPr txBox="1"/>
-          <p:nvPr/>
-        </p:nvSpPr>
-        <p:spPr>
-          <a:xfrm>
-            <a:off x="6895750" y="2633995"/>
-            <a:ext cx="2382474" cy="3139321"/>
-          </a:xfrm>
-          <a:prstGeom prst="rect">
-            <a:avLst/>
-          </a:prstGeom>
-          <a:noFill/>
-        </p:spPr>
-        <p:txBody>
-          <a:bodyPr wrap="square" rtlCol="0">
-            <a:spAutoFit/>
-          </a:bodyPr>
-          <a:lstStyle/>
-          <a:p>
-            <a:r>
-              <a:rPr lang="en-US" altLang="zh-CN" dirty="0"/>
-              <a:t>&lt;== </a:t>
-            </a:r>
-            <a:r>
-              <a:rPr lang="zh-CN" altLang="en-US" dirty="0"/>
-              <a:t>未设置</a:t>
-            </a:r>
-            <a:r>
-              <a:rPr lang="en-US" altLang="zh-CN" dirty="0"/>
-              <a:t>viewport</a:t>
-            </a:r>
-          </a:p>
-          <a:p>
-            <a:endParaRPr lang="en-US" altLang="zh-CN" dirty="0"/>
-          </a:p>
-          <a:p>
-            <a:endParaRPr lang="en-US" altLang="zh-CN" dirty="0"/>
-          </a:p>
-          <a:p>
-            <a:endParaRPr lang="en-US" altLang="zh-CN" dirty="0"/>
-          </a:p>
-          <a:p>
-            <a:endParaRPr lang="en-US" altLang="zh-CN" dirty="0"/>
-          </a:p>
-          <a:p>
-            <a:endParaRPr lang="en-US" altLang="zh-CN" dirty="0"/>
-          </a:p>
-          <a:p>
-            <a:endParaRPr lang="en-US" altLang="zh-CN" dirty="0"/>
-          </a:p>
-          <a:p>
-            <a:endParaRPr lang="en-US" altLang="zh-CN" dirty="0"/>
-          </a:p>
-          <a:p>
-            <a:endParaRPr lang="en-US" altLang="zh-CN" dirty="0"/>
-          </a:p>
-          <a:p>
-            <a:endParaRPr lang="en-US" altLang="zh-CN" dirty="0"/>
-          </a:p>
-          <a:p>
-            <a:r>
-              <a:rPr lang="zh-CN" altLang="en-US" dirty="0"/>
-              <a:t>设置过</a:t>
-            </a:r>
-            <a:r>
-              <a:rPr lang="en-US" altLang="zh-CN" dirty="0"/>
-              <a:t>viewport ==&gt;</a:t>
-            </a:r>
-            <a:endParaRPr lang="zh-CN" altLang="en-US" dirty="0"/>
-          </a:p>
-        </p:txBody>
-      </p:sp>
-      <p:sp>
-        <p:nvSpPr>
-          <p:cNvPr id="3" name="文本框 2">
-            <a:extLst>
-              <a:ext uri="{FF2B5EF4-FFF2-40B4-BE49-F238E27FC236}">
-                <a16:creationId xmlns:a16="http://schemas.microsoft.com/office/drawing/2014/main" id="{0B771B53-5A19-480F-9269-5A081F4D958D}"/>
-              </a:ext>
-            </a:extLst>
-          </p:cNvPr>
-          <p:cNvSpPr txBox="1"/>
-          <p:nvPr/>
-        </p:nvSpPr>
-        <p:spPr>
-          <a:xfrm>
-            <a:off x="470248" y="1895331"/>
-            <a:ext cx="2577950" cy="2862322"/>
-          </a:xfrm>
-          <a:prstGeom prst="rect">
-            <a:avLst/>
-          </a:prstGeom>
-          <a:noFill/>
-        </p:spPr>
-        <p:txBody>
-          <a:bodyPr wrap="none" rtlCol="0">
-            <a:spAutoFit/>
-          </a:bodyPr>
-          <a:lstStyle/>
-          <a:p>
-            <a:pPr marL="285750" indent="-285750">
-              <a:buFont typeface="Arial" panose="020B0604020202020204" pitchFamily="34" charset="0"/>
-              <a:buChar char="•"/>
-            </a:pPr>
-            <a:r>
-              <a:rPr lang="en-US" altLang="zh-CN" dirty="0" err="1"/>
-              <a:t>css</a:t>
-            </a:r>
-            <a:r>
-              <a:rPr lang="en-US" altLang="zh-CN" dirty="0"/>
-              <a:t> 1px != </a:t>
-            </a:r>
-            <a:r>
-              <a:rPr lang="zh-CN" altLang="en-US" dirty="0"/>
-              <a:t>屏幕 </a:t>
-            </a:r>
-            <a:r>
-              <a:rPr lang="en-US" altLang="zh-CN" dirty="0"/>
-              <a:t>1px</a:t>
-            </a:r>
-          </a:p>
-          <a:p>
-            <a:pPr marL="285750" indent="-285750">
-              <a:buFont typeface="Arial" panose="020B0604020202020204" pitchFamily="34" charset="0"/>
-              <a:buChar char="•"/>
-            </a:pPr>
-            <a:endParaRPr lang="en-US" altLang="zh-CN" dirty="0"/>
-          </a:p>
-          <a:p>
-            <a:pPr marL="285750" indent="-285750">
-              <a:buFont typeface="Arial" panose="020B0604020202020204" pitchFamily="34" charset="0"/>
-              <a:buChar char="•"/>
-            </a:pPr>
-            <a:r>
-              <a:rPr lang="en-US" altLang="zh-CN" dirty="0"/>
-              <a:t>viewport</a:t>
-            </a:r>
-          </a:p>
-          <a:p>
-            <a:pPr marL="285750" indent="-285750">
-              <a:buFont typeface="Arial" panose="020B0604020202020204" pitchFamily="34" charset="0"/>
-              <a:buChar char="•"/>
-            </a:pPr>
-            <a:endParaRPr lang="en-US" altLang="zh-CN" dirty="0"/>
-          </a:p>
-          <a:p>
-            <a:pPr marL="742950" lvl="1" indent="-285750">
-              <a:buFont typeface="Arial" panose="020B0604020202020204" pitchFamily="34" charset="0"/>
-              <a:buChar char="•"/>
-            </a:pPr>
-            <a:r>
-              <a:rPr lang="en-US" altLang="zh-CN" dirty="0"/>
-              <a:t>layout viewport</a:t>
-            </a:r>
-          </a:p>
-          <a:p>
-            <a:pPr marL="742950" lvl="1" indent="-285750">
-              <a:buFont typeface="Arial" panose="020B0604020202020204" pitchFamily="34" charset="0"/>
-              <a:buChar char="•"/>
-            </a:pPr>
-            <a:endParaRPr lang="en-US" altLang="zh-CN" dirty="0"/>
-          </a:p>
-          <a:p>
-            <a:pPr marL="742950" lvl="1" indent="-285750">
-              <a:buFont typeface="Arial" panose="020B0604020202020204" pitchFamily="34" charset="0"/>
-              <a:buChar char="•"/>
-            </a:pPr>
-            <a:r>
-              <a:rPr lang="en-US" altLang="zh-CN" dirty="0"/>
-              <a:t>visual viewport</a:t>
-            </a:r>
-          </a:p>
-          <a:p>
-            <a:pPr marL="742950" lvl="1" indent="-285750">
-              <a:buFont typeface="Arial" panose="020B0604020202020204" pitchFamily="34" charset="0"/>
-              <a:buChar char="•"/>
-            </a:pPr>
-            <a:endParaRPr lang="en-US" altLang="zh-CN" dirty="0"/>
-          </a:p>
-          <a:p>
-            <a:pPr marL="742950" lvl="1" indent="-285750">
-              <a:buFont typeface="Arial" panose="020B0604020202020204" pitchFamily="34" charset="0"/>
-              <a:buChar char="•"/>
-            </a:pPr>
-            <a:r>
-              <a:rPr lang="en-US" altLang="zh-CN" dirty="0"/>
-              <a:t>ideal viewport</a:t>
-            </a:r>
-          </a:p>
-          <a:p>
-            <a:endParaRPr lang="zh-CN" altLang="en-US" dirty="0"/>
-          </a:p>
-        </p:txBody>
-      </p:sp>
     </p:spTree>
     <p:extLst>
       <p:ext uri="{BB962C8B-B14F-4D97-AF65-F5344CB8AC3E}">
@@ -12061,10 +12058,10 @@
       </p:sp>
       <p:pic>
         <p:nvPicPr>
-          <p:cNvPr id="10" name="图片 9">
+          <p:cNvPr id="4" name="图片 3">
             <a:extLst>
               <a:ext uri="{FF2B5EF4-FFF2-40B4-BE49-F238E27FC236}">
-                <a16:creationId xmlns:a16="http://schemas.microsoft.com/office/drawing/2014/main" id="{5373CD4A-FABC-4677-B0FF-DA3F38662B33}"/>
+                <a16:creationId xmlns:a16="http://schemas.microsoft.com/office/drawing/2014/main" id="{B3109322-F298-4CCB-B25C-D4FA12C74F0B}"/>
               </a:ext>
             </a:extLst>
           </p:cNvPr>
@@ -12081,8 +12078,8 @@
         </p:blipFill>
         <p:spPr>
           <a:xfrm>
-            <a:off x="167780" y="1581835"/>
-            <a:ext cx="10259687" cy="3560617"/>
+            <a:off x="124745" y="1621153"/>
+            <a:ext cx="11735561" cy="4075302"/>
           </a:xfrm>
           <a:prstGeom prst="rect">
             <a:avLst/>
@@ -12091,10 +12088,10 @@
       </p:pic>
       <p:pic>
         <p:nvPicPr>
-          <p:cNvPr id="12" name="图片 11">
+          <p:cNvPr id="8" name="图片 7">
             <a:extLst>
               <a:ext uri="{FF2B5EF4-FFF2-40B4-BE49-F238E27FC236}">
-                <a16:creationId xmlns:a16="http://schemas.microsoft.com/office/drawing/2014/main" id="{C358F241-2321-4B8A-9BC5-0D483CBCD068}"/>
+                <a16:creationId xmlns:a16="http://schemas.microsoft.com/office/drawing/2014/main" id="{79FD4389-1784-4ACF-88E2-701B1094189F}"/>
               </a:ext>
             </a:extLst>
           </p:cNvPr>
@@ -12111,8 +12108,8 @@
         </p:blipFill>
         <p:spPr>
           <a:xfrm>
-            <a:off x="1132513" y="3339228"/>
-            <a:ext cx="10799428" cy="3485216"/>
+            <a:off x="1302350" y="3310090"/>
+            <a:ext cx="10800000" cy="3476190"/>
           </a:xfrm>
           <a:prstGeom prst="rect">
             <a:avLst/>
